--- a/RTOS/Lab/Environment_Setup_FreeRTOS_Lab.pptx
+++ b/RTOS/Lab/Environment_Setup_FreeRTOS_Lab.pptx
@@ -290,7 +290,7 @@
           <a:p>
             <a:fld id="{0DE91F4C-CCA3-468A-991E-B26E0AD0F711}" type="datetimeFigureOut">
               <a:rPr lang="en-US" smtClean="0"/>
-              <a:t>6/30/2024</a:t>
+              <a:t>1/2/2025</a:t>
             </a:fld>
             <a:endParaRPr lang="en-US"/>
           </a:p>
@@ -488,7 +488,7 @@
           <a:p>
             <a:fld id="{0DE91F4C-CCA3-468A-991E-B26E0AD0F711}" type="datetimeFigureOut">
               <a:rPr lang="en-US" smtClean="0"/>
-              <a:t>6/30/2024</a:t>
+              <a:t>1/2/2025</a:t>
             </a:fld>
             <a:endParaRPr lang="en-US"/>
           </a:p>
@@ -696,7 +696,7 @@
           <a:p>
             <a:fld id="{0DE91F4C-CCA3-468A-991E-B26E0AD0F711}" type="datetimeFigureOut">
               <a:rPr lang="en-US" smtClean="0"/>
-              <a:t>6/30/2024</a:t>
+              <a:t>1/2/2025</a:t>
             </a:fld>
             <a:endParaRPr lang="en-US"/>
           </a:p>
@@ -894,7 +894,7 @@
           <a:p>
             <a:fld id="{0DE91F4C-CCA3-468A-991E-B26E0AD0F711}" type="datetimeFigureOut">
               <a:rPr lang="en-US" smtClean="0"/>
-              <a:t>6/30/2024</a:t>
+              <a:t>1/2/2025</a:t>
             </a:fld>
             <a:endParaRPr lang="en-US"/>
           </a:p>
@@ -1169,7 +1169,7 @@
           <a:p>
             <a:fld id="{0DE91F4C-CCA3-468A-991E-B26E0AD0F711}" type="datetimeFigureOut">
               <a:rPr lang="en-US" smtClean="0"/>
-              <a:t>6/30/2024</a:t>
+              <a:t>1/2/2025</a:t>
             </a:fld>
             <a:endParaRPr lang="en-US"/>
           </a:p>
@@ -1434,7 +1434,7 @@
           <a:p>
             <a:fld id="{0DE91F4C-CCA3-468A-991E-B26E0AD0F711}" type="datetimeFigureOut">
               <a:rPr lang="en-US" smtClean="0"/>
-              <a:t>6/30/2024</a:t>
+              <a:t>1/2/2025</a:t>
             </a:fld>
             <a:endParaRPr lang="en-US"/>
           </a:p>
@@ -1846,7 +1846,7 @@
           <a:p>
             <a:fld id="{0DE91F4C-CCA3-468A-991E-B26E0AD0F711}" type="datetimeFigureOut">
               <a:rPr lang="en-US" smtClean="0"/>
-              <a:t>6/30/2024</a:t>
+              <a:t>1/2/2025</a:t>
             </a:fld>
             <a:endParaRPr lang="en-US"/>
           </a:p>
@@ -1987,7 +1987,7 @@
           <a:p>
             <a:fld id="{0DE91F4C-CCA3-468A-991E-B26E0AD0F711}" type="datetimeFigureOut">
               <a:rPr lang="en-US" smtClean="0"/>
-              <a:t>6/30/2024</a:t>
+              <a:t>1/2/2025</a:t>
             </a:fld>
             <a:endParaRPr lang="en-US"/>
           </a:p>
@@ -2100,7 +2100,7 @@
           <a:p>
             <a:fld id="{0DE91F4C-CCA3-468A-991E-B26E0AD0F711}" type="datetimeFigureOut">
               <a:rPr lang="en-US" smtClean="0"/>
-              <a:t>6/30/2024</a:t>
+              <a:t>1/2/2025</a:t>
             </a:fld>
             <a:endParaRPr lang="en-US"/>
           </a:p>
@@ -2411,7 +2411,7 @@
           <a:p>
             <a:fld id="{0DE91F4C-CCA3-468A-991E-B26E0AD0F711}" type="datetimeFigureOut">
               <a:rPr lang="en-US" smtClean="0"/>
-              <a:t>6/30/2024</a:t>
+              <a:t>1/2/2025</a:t>
             </a:fld>
             <a:endParaRPr lang="en-US"/>
           </a:p>
@@ -2699,7 +2699,7 @@
           <a:p>
             <a:fld id="{0DE91F4C-CCA3-468A-991E-B26E0AD0F711}" type="datetimeFigureOut">
               <a:rPr lang="en-US" smtClean="0"/>
-              <a:t>6/30/2024</a:t>
+              <a:t>1/2/2025</a:t>
             </a:fld>
             <a:endParaRPr lang="en-US"/>
           </a:p>
@@ -2940,7 +2940,7 @@
           <a:p>
             <a:fld id="{0DE91F4C-CCA3-468A-991E-B26E0AD0F711}" type="datetimeFigureOut">
               <a:rPr lang="en-US" smtClean="0"/>
-              <a:t>6/30/2024</a:t>
+              <a:t>1/2/2025</a:t>
             </a:fld>
             <a:endParaRPr lang="en-US"/>
           </a:p>
@@ -5734,7 +5734,7 @@
           <p:nvPr>
             <p:extLst>
               <p:ext uri="{D42A27DB-BD31-4B8C-83A1-F6EECF244321}">
-                <p14:modId xmlns:p14="http://schemas.microsoft.com/office/powerpoint/2010/main" val="681727082"/>
+                <p14:modId xmlns:p14="http://schemas.microsoft.com/office/powerpoint/2010/main" val="277476984"/>
               </p:ext>
             </p:extLst>
           </p:nvPr>
@@ -5864,6 +5864,41 @@
           </a:prstGeom>
         </p:spPr>
       </p:pic>
+      <p:sp>
+        <p:nvSpPr>
+          <p:cNvPr id="8" name="TextBox 7">
+            <a:extLst>
+              <a:ext uri="{FF2B5EF4-FFF2-40B4-BE49-F238E27FC236}">
+                <a16:creationId xmlns:a16="http://schemas.microsoft.com/office/drawing/2014/main" id="{F72574D5-1268-36E8-81C8-6682E8222210}"/>
+              </a:ext>
+            </a:extLst>
+          </p:cNvPr>
+          <p:cNvSpPr txBox="1"/>
+          <p:nvPr/>
+        </p:nvSpPr>
+        <p:spPr>
+          <a:xfrm>
+            <a:off x="546847" y="6159060"/>
+            <a:ext cx="6446982" cy="369332"/>
+          </a:xfrm>
+          <a:prstGeom prst="rect">
+            <a:avLst/>
+          </a:prstGeom>
+          <a:noFill/>
+        </p:spPr>
+        <p:txBody>
+          <a:bodyPr wrap="square">
+            <a:spAutoFit/>
+          </a:bodyPr>
+          <a:lstStyle/>
+          <a:p>
+            <a:r>
+              <a:rPr lang="en-US" dirty="0"/>
+              <a:t>GitHub\CDAC_Sharing_Data\RTOS\Lab\01_Sample_First_Program</a:t>
+            </a:r>
+          </a:p>
+        </p:txBody>
+      </p:sp>
     </p:spTree>
     <p:extLst>
       <p:ext uri="{BB962C8B-B14F-4D97-AF65-F5344CB8AC3E}">
